--- a/Project1/Project1/PowerPoint/Project 1.pptx
+++ b/Project1/Project1/PowerPoint/Project 1.pptx
@@ -32138,6 +32138,103 @@
           </a:prstGeom>
         </p:spPr>
       </p:pic>
+      <p:sp>
+        <p:nvSpPr>
+          <p:cNvPr id="20" name="Title 5">
+            <a:extLst>
+              <a:ext uri="{FF2B5EF4-FFF2-40B4-BE49-F238E27FC236}">
+                <a16:creationId xmlns:a16="http://schemas.microsoft.com/office/drawing/2014/main" id="{E28F6C71-BA87-4185-93FF-F8CEC6AF0283}"/>
+              </a:ext>
+            </a:extLst>
+          </p:cNvPr>
+          <p:cNvSpPr txBox="1">
+            <a:spLocks/>
+          </p:cNvSpPr>
+          <p:nvPr/>
+        </p:nvSpPr>
+        <p:spPr>
+          <a:xfrm>
+            <a:off x="6096000" y="4022112"/>
+            <a:ext cx="3601365" cy="505010"/>
+          </a:xfrm>
+          <a:prstGeom prst="rect">
+            <a:avLst/>
+          </a:prstGeom>
+          <a:solidFill>
+            <a:schemeClr val="tx1">
+              <a:alpha val="80000"/>
+            </a:schemeClr>
+          </a:solidFill>
+        </p:spPr>
+        <p:txBody>
+          <a:bodyPr vert="horz" lIns="288000" tIns="0" rIns="2160000" bIns="144000" rtlCol="0" anchor="b">
+            <a:noAutofit/>
+          </a:bodyPr>
+          <a:lstStyle>
+            <a:lvl1pPr algn="r" defTabSz="914400" rtl="0" eaLnBrk="1" latinLnBrk="0" hangingPunct="1">
+              <a:lnSpc>
+                <a:spcPct val="90000"/>
+              </a:lnSpc>
+              <a:spcBef>
+                <a:spcPct val="0"/>
+              </a:spcBef>
+              <a:buNone/>
+              <a:defRPr sz="4200" kern="1200" spc="-150">
+                <a:solidFill>
+                  <a:schemeClr val="bg1"/>
+                </a:solidFill>
+                <a:latin typeface="+mj-lt"/>
+                <a:ea typeface="+mj-ea"/>
+                <a:cs typeface="+mj-cs"/>
+              </a:defRPr>
+            </a:lvl1pPr>
+          </a:lstStyle>
+          <a:p>
+            <a:endParaRPr lang="en-US" sz="2000" dirty="0"/>
+          </a:p>
+        </p:txBody>
+      </p:sp>
+      <p:sp>
+        <p:nvSpPr>
+          <p:cNvPr id="21" name="TextBox 20">
+            <a:extLst>
+              <a:ext uri="{FF2B5EF4-FFF2-40B4-BE49-F238E27FC236}">
+                <a16:creationId xmlns:a16="http://schemas.microsoft.com/office/drawing/2014/main" id="{0DA24503-F729-4363-9351-28C082C671FC}"/>
+              </a:ext>
+            </a:extLst>
+          </p:cNvPr>
+          <p:cNvSpPr txBox="1"/>
+          <p:nvPr/>
+        </p:nvSpPr>
+        <p:spPr>
+          <a:xfrm>
+            <a:off x="7336207" y="4044015"/>
+            <a:ext cx="2361158" cy="505011"/>
+          </a:xfrm>
+          <a:prstGeom prst="rect">
+            <a:avLst/>
+          </a:prstGeom>
+          <a:noFill/>
+        </p:spPr>
+        <p:txBody>
+          <a:bodyPr wrap="square" lIns="0" tIns="0" rIns="0" bIns="0" rtlCol="0">
+            <a:noAutofit/>
+          </a:bodyPr>
+          <a:lstStyle/>
+          <a:p>
+            <a:pPr algn="ctr"/>
+            <a:r>
+              <a:rPr lang="en-US" sz="2800" b="1" dirty="0">
+                <a:solidFill>
+                  <a:schemeClr val="bg1"/>
+                </a:solidFill>
+                <a:latin typeface="+mj-lt"/>
+              </a:rPr>
+              <a:t>By: Ken Endo</a:t>
+            </a:r>
+          </a:p>
+        </p:txBody>
+      </p:sp>
     </p:spTree>
     <p:extLst>
       <p:ext uri="{BB962C8B-B14F-4D97-AF65-F5344CB8AC3E}">
@@ -32578,8 +32675,55 @@
         </p:blipFill>
         <p:spPr bwMode="auto">
           <a:xfrm>
-            <a:off x="6240779" y="4391610"/>
+            <a:off x="6170512" y="4552419"/>
             <a:ext cx="3194516" cy="1982479"/>
+          </a:xfrm>
+          <a:prstGeom prst="rect">
+            <a:avLst/>
+          </a:prstGeom>
+          <a:noFill/>
+          <a:extLst>
+            <a:ext uri="{909E8E84-426E-40DD-AFC4-6F175D3DCCD1}">
+              <a14:hiddenFill xmlns:a14="http://schemas.microsoft.com/office/drawing/2010/main">
+                <a:solidFill>
+                  <a:srgbClr val="FFFFFF"/>
+                </a:solidFill>
+              </a14:hiddenFill>
+            </a:ext>
+          </a:extLst>
+        </p:spPr>
+      </p:pic>
+      <p:pic>
+        <p:nvPicPr>
+          <p:cNvPr id="1052" name="Picture 28" descr="GitHub logo PNG">
+            <a:extLst>
+              <a:ext uri="{FF2B5EF4-FFF2-40B4-BE49-F238E27FC236}">
+                <a16:creationId xmlns:a16="http://schemas.microsoft.com/office/drawing/2014/main" id="{A2106CD2-634A-4E48-9D40-D9C75E4E0DCF}"/>
+              </a:ext>
+            </a:extLst>
+          </p:cNvPr>
+          <p:cNvPicPr>
+            <a:picLocks noChangeAspect="1" noChangeArrowheads="1"/>
+          </p:cNvPicPr>
+          <p:nvPr/>
+        </p:nvPicPr>
+        <p:blipFill>
+          <a:blip r:embed="rId10">
+            <a:extLst>
+              <a:ext uri="{28A0092B-C50C-407E-A947-70E740481C1C}">
+                <a14:useLocalDpi xmlns:a14="http://schemas.microsoft.com/office/drawing/2010/main" val="0"/>
+              </a:ext>
+            </a:extLst>
+          </a:blip>
+          <a:srcRect/>
+          <a:stretch>
+            <a:fillRect/>
+          </a:stretch>
+        </p:blipFill>
+        <p:spPr bwMode="auto">
+          <a:xfrm>
+            <a:off x="8216662" y="3964451"/>
+            <a:ext cx="997976" cy="901371"/>
           </a:xfrm>
           <a:prstGeom prst="rect">
             <a:avLst/>
@@ -33064,21 +33208,7 @@
             <a:pPr marL="828675" lvl="1" indent="-285750"/>
             <a:r>
               <a:rPr lang="en-US" sz="2400" b="1" dirty="0"/>
-              <a:t>Controllers</a:t>
-            </a:r>
-          </a:p>
-          <a:p>
-            <a:pPr marL="828675" lvl="1" indent="-285750"/>
-            <a:r>
-              <a:rPr lang="en-US" sz="2400" b="1" dirty="0"/>
-              <a:t>Models</a:t>
-            </a:r>
-          </a:p>
-          <a:p>
-            <a:pPr marL="828675" lvl="1" indent="-285750"/>
-            <a:r>
-              <a:rPr lang="en-US" sz="2400" b="1" dirty="0"/>
-              <a:t>Views</a:t>
+              <a:t>Controllers/Models/Views</a:t>
             </a:r>
           </a:p>
           <a:p>
@@ -33090,6 +33220,22 @@
           </a:p>
           <a:p>
             <a:pPr marL="828675" lvl="1" indent="-285750"/>
+            <a:r>
+              <a:rPr lang="en-US" sz="2400" b="1" dirty="0"/>
+              <a:t>Loosely coupled</a:t>
+            </a:r>
+          </a:p>
+          <a:p>
+            <a:pPr marL="828675" lvl="1" indent="-285750"/>
+            <a:r>
+              <a:rPr lang="en-US" sz="2400" b="1" dirty="0"/>
+              <a:t>Separation of concern</a:t>
+            </a:r>
+          </a:p>
+          <a:p>
+            <a:pPr lvl="1" indent="0">
+              <a:buNone/>
+            </a:pPr>
             <a:endParaRPr lang="en-US" sz="1800" dirty="0"/>
           </a:p>
           <a:p>
@@ -35686,19 +35832,6 @@
             </a:r>
           </a:p>
           <a:p>
-            <a:pPr marL="828675" lvl="1" indent="-285750"/>
-            <a:r>
-              <a:rPr lang="en-US" sz="2000" b="1" dirty="0"/>
-              <a:t>Conditional if statement</a:t>
-            </a:r>
-          </a:p>
-          <a:p>
-            <a:pPr lvl="1" indent="0">
-              <a:buNone/>
-            </a:pPr>
-            <a:endParaRPr lang="en-US" sz="2000" b="1" dirty="0"/>
-          </a:p>
-          <a:p>
             <a:pPr lvl="1" indent="0">
               <a:buNone/>
             </a:pPr>
@@ -35789,38 +35922,8 @@
         </p:blipFill>
         <p:spPr>
           <a:xfrm>
-            <a:off x="5459446" y="50721"/>
-            <a:ext cx="6691252" cy="5574542"/>
-          </a:xfrm>
-          <a:prstGeom prst="rect">
-            <a:avLst/>
-          </a:prstGeom>
-        </p:spPr>
-      </p:pic>
-      <p:pic>
-        <p:nvPicPr>
-          <p:cNvPr id="4" name="Picture 3">
-            <a:extLst>
-              <a:ext uri="{FF2B5EF4-FFF2-40B4-BE49-F238E27FC236}">
-                <a16:creationId xmlns:a16="http://schemas.microsoft.com/office/drawing/2014/main" id="{159E670E-CA5B-47C2-B5AD-D1EBA28F5AB2}"/>
-              </a:ext>
-            </a:extLst>
-          </p:cNvPr>
-          <p:cNvPicPr>
-            <a:picLocks noChangeAspect="1"/>
-          </p:cNvPicPr>
-          <p:nvPr/>
-        </p:nvPicPr>
-        <p:blipFill>
-          <a:blip r:embed="rId5"/>
-          <a:stretch>
-            <a:fillRect/>
-          </a:stretch>
-        </p:blipFill>
-        <p:spPr>
-          <a:xfrm>
-            <a:off x="8103025" y="5225719"/>
-            <a:ext cx="4066711" cy="1632281"/>
+            <a:off x="5326743" y="178547"/>
+            <a:ext cx="6750581" cy="6500906"/>
           </a:xfrm>
           <a:prstGeom prst="rect">
             <a:avLst/>
@@ -36896,15 +36999,16 @@
             <a:pPr marL="828675" lvl="1" indent="-285750"/>
             <a:r>
               <a:rPr lang="en-US" sz="2000" b="1" dirty="0" err="1"/>
-              <a:t>IService</a:t>
+              <a:t>Iservice</a:t>
             </a:r>
             <a:endParaRPr lang="en-US" sz="2000" b="1" dirty="0"/>
           </a:p>
           <a:p>
-            <a:pPr lvl="1" indent="0">
-              <a:buNone/>
-            </a:pPr>
-            <a:endParaRPr lang="en-US" sz="2000" b="1" dirty="0"/>
+            <a:pPr marL="828675" lvl="1" indent="-285750"/>
+            <a:r>
+              <a:rPr lang="en-US" sz="2000" b="1" dirty="0"/>
+              <a:t>Loosely coupled</a:t>
+            </a:r>
           </a:p>
           <a:p>
             <a:pPr marL="285750" indent="-285750">

--- a/Project1/Project1/PowerPoint/Project 1.pptx
+++ b/Project1/Project1/PowerPoint/Project 1.pptx
@@ -222,7 +222,7 @@
           <a:p>
             <a:fld id="{EF1077DB-935E-4A0A-947A-D283B9F9F452}" type="datetimeFigureOut">
               <a:rPr lang="en-US" smtClean="0"/>
-              <a:t>5/19/2020</a:t>
+              <a:t>5/20/2020</a:t>
             </a:fld>
             <a:endParaRPr lang="en-US" dirty="0"/>
           </a:p>
@@ -399,7 +399,7 @@
           <a:p>
             <a:fld id="{348F815A-5A10-42A8-9FEC-3938D2D9BA48}" type="datetimeFigureOut">
               <a:rPr lang="en-US" noProof="0" smtClean="0"/>
-              <a:t>5/19/2020</a:t>
+              <a:t>5/20/2020</a:t>
             </a:fld>
             <a:endParaRPr lang="en-US" noProof="0" dirty="0"/>
           </a:p>
@@ -33207,8 +33207,8 @@
           <a:p>
             <a:pPr marL="828675" lvl="1" indent="-285750"/>
             <a:r>
-              <a:rPr lang="en-US" sz="2400" b="1" dirty="0"/>
-              <a:t>Controllers/Models/Views</a:t>
+              <a:rPr lang="en-US" sz="2000" b="1" dirty="0"/>
+              <a:t>Controllers/Models/Views – Strongly Typed/minimum logic</a:t>
             </a:r>
           </a:p>
           <a:p>
@@ -38124,23 +38124,6 @@
 </file>
 
 <file path=customXml/item1.xml><?xml version="1.0" encoding="utf-8"?>
-<p:properties xmlns:p="http://schemas.microsoft.com/office/2006/metadata/properties" xmlns:xsi="http://www.w3.org/2001/XMLSchema-instance" xmlns:pc="http://schemas.microsoft.com/office/infopath/2007/PartnerControls">
-  <documentManagement>
-    <MediaServiceKeyPoints xmlns="71af3243-3dd4-4a8d-8c0d-dd76da1f02a5" xsi:nil="true"/>
-  </documentManagement>
-</p:properties>
-</file>
-
-<file path=customXml/item2.xml><?xml version="1.0" encoding="utf-8"?>
-<?mso-contentType ?>
-<FormTemplates xmlns="http://schemas.microsoft.com/sharepoint/v3/contenttype/forms">
-  <Display>DocumentLibraryForm</Display>
-  <Edit>DocumentLibraryForm</Edit>
-  <New>DocumentLibraryForm</New>
-</FormTemplates>
-</file>
-
-<file path=customXml/item3.xml><?xml version="1.0" encoding="utf-8"?>
 <ct:contentTypeSchema xmlns:ct="http://schemas.microsoft.com/office/2006/metadata/contentType" xmlns:ma="http://schemas.microsoft.com/office/2006/metadata/properties/metaAttributes" ct:_="" ma:_="" ma:contentTypeName="Document" ma:contentTypeID="0x01010079F111ED35F8CC479449609E8A0923A6" ma:contentTypeVersion="11" ma:contentTypeDescription="Create a new document." ma:contentTypeScope="" ma:versionID="9677210f24a1be23c92c90fd886aa0aa">
   <xsd:schema xmlns:xsd="http://www.w3.org/2001/XMLSchema" xmlns:xs="http://www.w3.org/2001/XMLSchema" xmlns:p="http://schemas.microsoft.com/office/2006/metadata/properties" xmlns:ns2="71af3243-3dd4-4a8d-8c0d-dd76da1f02a5" xmlns:ns3="16c05727-aa75-4e4a-9b5f-8a80a1165891" targetNamespace="http://schemas.microsoft.com/office/2006/metadata/properties" ma:root="true" ma:fieldsID="60e05723c5c1908df1a1a4ebf11d344e" ns2:_="" ns3:_="">
     <xsd:import namespace="71af3243-3dd4-4a8d-8c0d-dd76da1f02a5"/>
@@ -38351,25 +38334,24 @@
 </ct:contentTypeSchema>
 </file>
 
-<file path=customXml/itemProps1.xml><?xml version="1.0" encoding="utf-8"?>
-<ds:datastoreItem xmlns:ds="http://schemas.openxmlformats.org/officeDocument/2006/customXml" ds:itemID="{ABC5C908-4F22-4D49-B2AD-A48F9AB51175}">
-  <ds:schemaRefs>
-    <ds:schemaRef ds:uri="http://schemas.microsoft.com/office/2006/metadata/properties"/>
-    <ds:schemaRef ds:uri="http://schemas.microsoft.com/office/infopath/2007/PartnerControls"/>
-    <ds:schemaRef ds:uri="71af3243-3dd4-4a8d-8c0d-dd76da1f02a5"/>
-  </ds:schemaRefs>
-</ds:datastoreItem>
+<file path=customXml/item2.xml><?xml version="1.0" encoding="utf-8"?>
+<?mso-contentType ?>
+<FormTemplates xmlns="http://schemas.microsoft.com/sharepoint/v3/contenttype/forms">
+  <Display>DocumentLibraryForm</Display>
+  <Edit>DocumentLibraryForm</Edit>
+  <New>DocumentLibraryForm</New>
+</FormTemplates>
 </file>
 
-<file path=customXml/itemProps2.xml><?xml version="1.0" encoding="utf-8"?>
-<ds:datastoreItem xmlns:ds="http://schemas.openxmlformats.org/officeDocument/2006/customXml" ds:itemID="{96DB9DAA-588F-4E7A-A8D1-E2EBF048F1AE}">
-  <ds:schemaRefs>
-    <ds:schemaRef ds:uri="http://schemas.microsoft.com/sharepoint/v3/contenttype/forms"/>
-  </ds:schemaRefs>
-</ds:datastoreItem>
+<file path=customXml/item3.xml><?xml version="1.0" encoding="utf-8"?>
+<p:properties xmlns:p="http://schemas.microsoft.com/office/2006/metadata/properties" xmlns:xsi="http://www.w3.org/2001/XMLSchema-instance" xmlns:pc="http://schemas.microsoft.com/office/infopath/2007/PartnerControls">
+  <documentManagement>
+    <MediaServiceKeyPoints xmlns="71af3243-3dd4-4a8d-8c0d-dd76da1f02a5" xsi:nil="true"/>
+  </documentManagement>
+</p:properties>
 </file>
 
-<file path=customXml/itemProps3.xml><?xml version="1.0" encoding="utf-8"?>
+<file path=customXml/itemProps1.xml><?xml version="1.0" encoding="utf-8"?>
 <ds:datastoreItem xmlns:ds="http://schemas.openxmlformats.org/officeDocument/2006/customXml" ds:itemID="{8332F27D-DD05-4984-A261-62350E39A094}">
   <ds:schemaRefs>
     <ds:schemaRef ds:uri="http://schemas.microsoft.com/office/2006/metadata/contentType"/>
@@ -38386,4 +38368,22 @@
     <ds:schemaRef ds:uri="http://schemas.microsoft.com/internal/obd"/>
   </ds:schemaRefs>
 </ds:datastoreItem>
+</file>
+
+<file path=customXml/itemProps2.xml><?xml version="1.0" encoding="utf-8"?>
+<ds:datastoreItem xmlns:ds="http://schemas.openxmlformats.org/officeDocument/2006/customXml" ds:itemID="{96DB9DAA-588F-4E7A-A8D1-E2EBF048F1AE}">
+  <ds:schemaRefs>
+    <ds:schemaRef ds:uri="http://schemas.microsoft.com/sharepoint/v3/contenttype/forms"/>
+  </ds:schemaRefs>
+</ds:datastoreItem>
+</file>
+
+<file path=customXml/itemProps3.xml><?xml version="1.0" encoding="utf-8"?>
+<ds:datastoreItem xmlns:ds="http://schemas.openxmlformats.org/officeDocument/2006/customXml" ds:itemID="{ABC5C908-4F22-4D49-B2AD-A48F9AB51175}">
+  <ds:schemaRefs>
+    <ds:schemaRef ds:uri="http://schemas.microsoft.com/office/2006/metadata/properties"/>
+    <ds:schemaRef ds:uri="http://schemas.microsoft.com/office/infopath/2007/PartnerControls"/>
+    <ds:schemaRef ds:uri="71af3243-3dd4-4a8d-8c0d-dd76da1f02a5"/>
+  </ds:schemaRefs>
+</ds:datastoreItem>
 </file>